--- a/code_generater.pptx
+++ b/code_generater.pptx
@@ -127,10 +127,25 @@
   <pc:docChgLst>
     <pc:chgData name="Wang Gang" userId="b118b69773562775" providerId="LiveId" clId="{EE7E3B6B-A772-E745-87C6-AFE986930A22}"/>
     <pc:docChg chg="undo custSel addSld delSld modSld sldOrd">
-      <pc:chgData name="Wang Gang" userId="b118b69773562775" providerId="LiveId" clId="{EE7E3B6B-A772-E745-87C6-AFE986930A22}" dt="2019-09-03T11:09:29.324" v="3868" actId="208"/>
+      <pc:chgData name="Wang Gang" userId="b118b69773562775" providerId="LiveId" clId="{EE7E3B6B-A772-E745-87C6-AFE986930A22}" dt="2019-09-03T11:28:22.909" v="3881" actId="20577"/>
       <pc:docMkLst>
         <pc:docMk/>
       </pc:docMkLst>
+      <pc:sldChg chg="modSp">
+        <pc:chgData name="Wang Gang" userId="b118b69773562775" providerId="LiveId" clId="{EE7E3B6B-A772-E745-87C6-AFE986930A22}" dt="2019-09-03T11:24:43.844" v="3869" actId="25668"/>
+        <pc:sldMkLst>
+          <pc:docMk/>
+          <pc:sldMk cId="3218949191" sldId="256"/>
+        </pc:sldMkLst>
+        <pc:spChg chg="mod">
+          <ac:chgData name="Wang Gang" userId="b118b69773562775" providerId="LiveId" clId="{EE7E3B6B-A772-E745-87C6-AFE986930A22}" dt="2019-09-03T11:24:43.844" v="3869" actId="25668"/>
+          <ac:spMkLst>
+            <pc:docMk/>
+            <pc:sldMk cId="3218949191" sldId="256"/>
+            <ac:spMk id="3" creationId="{6FB15FBC-B105-9A49-A2C0-E2AF1F2F8165}"/>
+          </ac:spMkLst>
+        </pc:spChg>
+      </pc:sldChg>
       <pc:sldChg chg="modSp">
         <pc:chgData name="Wang Gang" userId="b118b69773562775" providerId="LiveId" clId="{EE7E3B6B-A772-E745-87C6-AFE986930A22}" dt="2019-09-03T10:57:05.666" v="3133" actId="20577"/>
         <pc:sldMkLst>
@@ -255,6 +270,21 @@
             <ac:cxnSpMk id="45" creationId="{2C1B7483-680C-6E40-B8C0-5E05A9C1ADBE}"/>
           </ac:cxnSpMkLst>
         </pc:cxnChg>
+      </pc:sldChg>
+      <pc:sldChg chg="modSp">
+        <pc:chgData name="Wang Gang" userId="b118b69773562775" providerId="LiveId" clId="{EE7E3B6B-A772-E745-87C6-AFE986930A22}" dt="2019-09-03T11:28:22.909" v="3881" actId="20577"/>
+        <pc:sldMkLst>
+          <pc:docMk/>
+          <pc:sldMk cId="879201494" sldId="263"/>
+        </pc:sldMkLst>
+        <pc:spChg chg="mod">
+          <ac:chgData name="Wang Gang" userId="b118b69773562775" providerId="LiveId" clId="{EE7E3B6B-A772-E745-87C6-AFE986930A22}" dt="2019-09-03T11:28:22.909" v="3881" actId="20577"/>
+          <ac:spMkLst>
+            <pc:docMk/>
+            <pc:sldMk cId="879201494" sldId="263"/>
+            <ac:spMk id="3" creationId="{D108EEE7-A2B0-0B4A-966E-E084F8D27A1D}"/>
+          </ac:spMkLst>
+        </pc:spChg>
       </pc:sldChg>
       <pc:sldChg chg="modSp">
         <pc:chgData name="Wang Gang" userId="b118b69773562775" providerId="LiveId" clId="{EE7E3B6B-A772-E745-87C6-AFE986930A22}" dt="2019-09-03T09:26:22.330" v="126" actId="20577"/>
@@ -509,7 +539,7 @@
           <a:noFill/>
           <a:extLst>
             <a:ext uri="{909E8E84-426E-40dd-AFC4-6F175D3DCCD1}">
-              <a14:hiddenFill xmlns="" xmlns:a14="http://schemas.microsoft.com/office/drawing/2010/main">
+              <a14:hiddenFill xmlns:a14="http://schemas.microsoft.com/office/drawing/2010/main" xmlns="">
                 <a:solidFill>
                   <a:srgbClr val="FFFFFF"/>
                 </a:solidFill>
@@ -569,7 +599,7 @@
             </a:ln>
             <a:extLst>
               <a:ext uri="{91240B29-F687-4f45-9708-019B960494DF}">
-                <a14:hiddenLine xmlns="" xmlns:a14="http://schemas.microsoft.com/office/drawing/2010/main" w="9525">
+                <a14:hiddenLine xmlns:a14="http://schemas.microsoft.com/office/drawing/2010/main" xmlns="" w="9525">
                   <a:solidFill>
                     <a:srgbClr val="000000"/>
                   </a:solidFill>
@@ -659,7 +689,7 @@
             </a:ln>
             <a:extLst>
               <a:ext uri="{91240B29-F687-4f45-9708-019B960494DF}">
-                <a14:hiddenLine xmlns="" xmlns:a14="http://schemas.microsoft.com/office/drawing/2010/main" w="9525">
+                <a14:hiddenLine xmlns:a14="http://schemas.microsoft.com/office/drawing/2010/main" xmlns="" w="9525">
                   <a:solidFill>
                     <a:srgbClr val="000000"/>
                   </a:solidFill>
@@ -749,7 +779,7 @@
             </a:ln>
             <a:extLst>
               <a:ext uri="{91240B29-F687-4f45-9708-019B960494DF}">
-                <a14:hiddenLine xmlns="" xmlns:a14="http://schemas.microsoft.com/office/drawing/2010/main" w="9525">
+                <a14:hiddenLine xmlns:a14="http://schemas.microsoft.com/office/drawing/2010/main" xmlns="" w="9525">
                   <a:solidFill>
                     <a:srgbClr val="000000"/>
                   </a:solidFill>
@@ -783,7 +813,7 @@
             </a:ln>
             <a:extLst>
               <a:ext uri="{91240B29-F687-4f45-9708-019B960494DF}">
-                <a14:hiddenLine xmlns="" xmlns:a14="http://schemas.microsoft.com/office/drawing/2010/main" w="9525">
+                <a14:hiddenLine xmlns:a14="http://schemas.microsoft.com/office/drawing/2010/main" xmlns="" w="9525">
                   <a:solidFill>
                     <a:srgbClr val="000000"/>
                   </a:solidFill>
@@ -873,7 +903,7 @@
             </a:ln>
             <a:extLst>
               <a:ext uri="{91240B29-F687-4f45-9708-019B960494DF}">
-                <a14:hiddenLine xmlns="" xmlns:a14="http://schemas.microsoft.com/office/drawing/2010/main" w="9525">
+                <a14:hiddenLine xmlns:a14="http://schemas.microsoft.com/office/drawing/2010/main" xmlns="" w="9525">
                   <a:solidFill>
                     <a:srgbClr val="000000"/>
                   </a:solidFill>
@@ -935,7 +965,7 @@
             </a:ln>
             <a:extLst>
               <a:ext uri="{91240B29-F687-4f45-9708-019B960494DF}">
-                <a14:hiddenLine xmlns="" xmlns:a14="http://schemas.microsoft.com/office/drawing/2010/main" w="9525">
+                <a14:hiddenLine xmlns:a14="http://schemas.microsoft.com/office/drawing/2010/main" xmlns="" w="9525">
                   <a:solidFill>
                     <a:srgbClr val="000000"/>
                   </a:solidFill>
@@ -997,7 +1027,7 @@
             </a:ln>
             <a:extLst>
               <a:ext uri="{91240B29-F687-4f45-9708-019B960494DF}">
-                <a14:hiddenLine xmlns="" xmlns:a14="http://schemas.microsoft.com/office/drawing/2010/main" w="9525">
+                <a14:hiddenLine xmlns:a14="http://schemas.microsoft.com/office/drawing/2010/main" xmlns="" w="9525">
                   <a:solidFill>
                     <a:srgbClr val="000000"/>
                   </a:solidFill>
@@ -1087,7 +1117,7 @@
             </a:ln>
             <a:extLst>
               <a:ext uri="{91240B29-F687-4f45-9708-019B960494DF}">
-                <a14:hiddenLine xmlns="" xmlns:a14="http://schemas.microsoft.com/office/drawing/2010/main" w="9525">
+                <a14:hiddenLine xmlns:a14="http://schemas.microsoft.com/office/drawing/2010/main" xmlns="" w="9525">
                   <a:solidFill>
                     <a:srgbClr val="000000"/>
                   </a:solidFill>
@@ -1149,7 +1179,7 @@
             </a:ln>
             <a:extLst>
               <a:ext uri="{91240B29-F687-4f45-9708-019B960494DF}">
-                <a14:hiddenLine xmlns="" xmlns:a14="http://schemas.microsoft.com/office/drawing/2010/main" w="9525">
+                <a14:hiddenLine xmlns:a14="http://schemas.microsoft.com/office/drawing/2010/main" xmlns="" w="9525">
                   <a:solidFill>
                     <a:srgbClr val="000000"/>
                   </a:solidFill>
@@ -1211,7 +1241,7 @@
             </a:ln>
             <a:extLst>
               <a:ext uri="{91240B29-F687-4f45-9708-019B960494DF}">
-                <a14:hiddenLine xmlns="" xmlns:a14="http://schemas.microsoft.com/office/drawing/2010/main" w="9525">
+                <a14:hiddenLine xmlns:a14="http://schemas.microsoft.com/office/drawing/2010/main" xmlns="" w="9525">
                   <a:solidFill>
                     <a:srgbClr val="000000"/>
                   </a:solidFill>
@@ -1301,7 +1331,7 @@
             </a:ln>
             <a:extLst>
               <a:ext uri="{91240B29-F687-4f45-9708-019B960494DF}">
-                <a14:hiddenLine xmlns="" xmlns:a14="http://schemas.microsoft.com/office/drawing/2010/main" w="9525">
+                <a14:hiddenLine xmlns:a14="http://schemas.microsoft.com/office/drawing/2010/main" xmlns="" w="9525">
                   <a:solidFill>
                     <a:srgbClr val="000000"/>
                   </a:solidFill>
@@ -1391,7 +1421,7 @@
             </a:ln>
             <a:extLst>
               <a:ext uri="{91240B29-F687-4f45-9708-019B960494DF}">
-                <a14:hiddenLine xmlns="" xmlns:a14="http://schemas.microsoft.com/office/drawing/2010/main" w="9525">
+                <a14:hiddenLine xmlns:a14="http://schemas.microsoft.com/office/drawing/2010/main" xmlns="" w="9525">
                   <a:solidFill>
                     <a:srgbClr val="000000"/>
                   </a:solidFill>
@@ -1453,7 +1483,7 @@
             </a:ln>
             <a:extLst>
               <a:ext uri="{91240B29-F687-4f45-9708-019B960494DF}">
-                <a14:hiddenLine xmlns="" xmlns:a14="http://schemas.microsoft.com/office/drawing/2010/main" w="9525">
+                <a14:hiddenLine xmlns:a14="http://schemas.microsoft.com/office/drawing/2010/main" xmlns="" w="9525">
                   <a:solidFill>
                     <a:srgbClr val="000000"/>
                   </a:solidFill>
@@ -1563,7 +1593,7 @@
             </a:ln>
             <a:extLst>
               <a:ext uri="{91240B29-F687-4f45-9708-019B960494DF}">
-                <a14:hiddenLine xmlns="" xmlns:a14="http://schemas.microsoft.com/office/drawing/2010/main" w="9525">
+                <a14:hiddenLine xmlns:a14="http://schemas.microsoft.com/office/drawing/2010/main" xmlns="" w="9525">
                   <a:solidFill>
                     <a:srgbClr val="000000"/>
                   </a:solidFill>
@@ -1625,7 +1655,7 @@
             </a:ln>
             <a:extLst>
               <a:ext uri="{91240B29-F687-4f45-9708-019B960494DF}">
-                <a14:hiddenLine xmlns="" xmlns:a14="http://schemas.microsoft.com/office/drawing/2010/main" w="9525">
+                <a14:hiddenLine xmlns:a14="http://schemas.microsoft.com/office/drawing/2010/main" xmlns="" w="9525">
                   <a:solidFill>
                     <a:srgbClr val="000000"/>
                   </a:solidFill>
@@ -1715,7 +1745,7 @@
             </a:ln>
             <a:extLst>
               <a:ext uri="{91240B29-F687-4f45-9708-019B960494DF}">
-                <a14:hiddenLine xmlns="" xmlns:a14="http://schemas.microsoft.com/office/drawing/2010/main" w="9525">
+                <a14:hiddenLine xmlns:a14="http://schemas.microsoft.com/office/drawing/2010/main" xmlns="" w="9525">
                   <a:solidFill>
                     <a:srgbClr val="000000"/>
                   </a:solidFill>
@@ -1805,7 +1835,7 @@
             </a:ln>
             <a:extLst>
               <a:ext uri="{91240B29-F687-4f45-9708-019B960494DF}">
-                <a14:hiddenLine xmlns="" xmlns:a14="http://schemas.microsoft.com/office/drawing/2010/main" w="9525">
+                <a14:hiddenLine xmlns:a14="http://schemas.microsoft.com/office/drawing/2010/main" xmlns="" w="9525">
                   <a:solidFill>
                     <a:srgbClr val="000000"/>
                   </a:solidFill>
@@ -1867,7 +1897,7 @@
             </a:ln>
             <a:extLst>
               <a:ext uri="{91240B29-F687-4f45-9708-019B960494DF}">
-                <a14:hiddenLine xmlns="" xmlns:a14="http://schemas.microsoft.com/office/drawing/2010/main" w="9525">
+                <a14:hiddenLine xmlns:a14="http://schemas.microsoft.com/office/drawing/2010/main" xmlns="" w="9525">
                   <a:solidFill>
                     <a:srgbClr val="000000"/>
                   </a:solidFill>
@@ -1957,7 +1987,7 @@
             </a:ln>
             <a:extLst>
               <a:ext uri="{91240B29-F687-4f45-9708-019B960494DF}">
-                <a14:hiddenLine xmlns="" xmlns:a14="http://schemas.microsoft.com/office/drawing/2010/main" w="9525">
+                <a14:hiddenLine xmlns:a14="http://schemas.microsoft.com/office/drawing/2010/main" xmlns="" w="9525">
                   <a:solidFill>
                     <a:srgbClr val="000000"/>
                   </a:solidFill>
@@ -2047,7 +2077,7 @@
             </a:ln>
             <a:extLst>
               <a:ext uri="{91240B29-F687-4f45-9708-019B960494DF}">
-                <a14:hiddenLine xmlns="" xmlns:a14="http://schemas.microsoft.com/office/drawing/2010/main" w="9525">
+                <a14:hiddenLine xmlns:a14="http://schemas.microsoft.com/office/drawing/2010/main" xmlns="" w="9525">
                   <a:solidFill>
                     <a:srgbClr val="000000"/>
                   </a:solidFill>
@@ -2103,7 +2133,7 @@
             </a:ln>
             <a:extLst>
               <a:ext uri="{91240B29-F687-4f45-9708-019B960494DF}">
-                <a14:hiddenLine xmlns="" xmlns:a14="http://schemas.microsoft.com/office/drawing/2010/main" w="9525">
+                <a14:hiddenLine xmlns:a14="http://schemas.microsoft.com/office/drawing/2010/main" xmlns="" w="9525">
                   <a:solidFill>
                     <a:srgbClr val="000000"/>
                   </a:solidFill>
@@ -2193,7 +2223,7 @@
             </a:ln>
             <a:extLst>
               <a:ext uri="{91240B29-F687-4f45-9708-019B960494DF}">
-                <a14:hiddenLine xmlns="" xmlns:a14="http://schemas.microsoft.com/office/drawing/2010/main" w="9525">
+                <a14:hiddenLine xmlns:a14="http://schemas.microsoft.com/office/drawing/2010/main" xmlns="" w="9525">
                   <a:solidFill>
                     <a:srgbClr val="000000"/>
                   </a:solidFill>
@@ -2249,7 +2279,7 @@
             </a:ln>
             <a:extLst>
               <a:ext uri="{91240B29-F687-4f45-9708-019B960494DF}">
-                <a14:hiddenLine xmlns="" xmlns:a14="http://schemas.microsoft.com/office/drawing/2010/main" w="9525">
+                <a14:hiddenLine xmlns:a14="http://schemas.microsoft.com/office/drawing/2010/main" xmlns="" w="9525">
                   <a:solidFill>
                     <a:srgbClr val="000000"/>
                   </a:solidFill>
@@ -2339,7 +2369,7 @@
             </a:ln>
             <a:extLst>
               <a:ext uri="{91240B29-F687-4f45-9708-019B960494DF}">
-                <a14:hiddenLine xmlns="" xmlns:a14="http://schemas.microsoft.com/office/drawing/2010/main" w="9525">
+                <a14:hiddenLine xmlns:a14="http://schemas.microsoft.com/office/drawing/2010/main" xmlns="" w="9525">
                   <a:solidFill>
                     <a:srgbClr val="000000"/>
                   </a:solidFill>
@@ -2407,7 +2437,7 @@
             </a:ln>
             <a:extLst>
               <a:ext uri="{91240B29-F687-4f45-9708-019B960494DF}">
-                <a14:hiddenLine xmlns="" xmlns:a14="http://schemas.microsoft.com/office/drawing/2010/main" w="9525">
+                <a14:hiddenLine xmlns:a14="http://schemas.microsoft.com/office/drawing/2010/main" xmlns="" w="9525">
                   <a:solidFill>
                     <a:srgbClr val="000000"/>
                   </a:solidFill>
@@ -2497,7 +2527,7 @@
             </a:ln>
             <a:extLst>
               <a:ext uri="{91240B29-F687-4f45-9708-019B960494DF}">
-                <a14:hiddenLine xmlns="" xmlns:a14="http://schemas.microsoft.com/office/drawing/2010/main" w="9525">
+                <a14:hiddenLine xmlns:a14="http://schemas.microsoft.com/office/drawing/2010/main" xmlns="" w="9525">
                   <a:solidFill>
                     <a:srgbClr val="000000"/>
                   </a:solidFill>
@@ -2565,7 +2595,7 @@
             </a:ln>
             <a:extLst>
               <a:ext uri="{91240B29-F687-4f45-9708-019B960494DF}">
-                <a14:hiddenLine xmlns="" xmlns:a14="http://schemas.microsoft.com/office/drawing/2010/main" w="9525">
+                <a14:hiddenLine xmlns:a14="http://schemas.microsoft.com/office/drawing/2010/main" xmlns="" w="9525">
                   <a:solidFill>
                     <a:srgbClr val="000000"/>
                   </a:solidFill>
@@ -2655,7 +2685,7 @@
             </a:ln>
             <a:extLst>
               <a:ext uri="{91240B29-F687-4f45-9708-019B960494DF}">
-                <a14:hiddenLine xmlns="" xmlns:a14="http://schemas.microsoft.com/office/drawing/2010/main" w="9525">
+                <a14:hiddenLine xmlns:a14="http://schemas.microsoft.com/office/drawing/2010/main" xmlns="" w="9525">
                   <a:solidFill>
                     <a:srgbClr val="000000"/>
                   </a:solidFill>
@@ -2689,7 +2719,7 @@
             </a:ln>
             <a:extLst>
               <a:ext uri="{91240B29-F687-4f45-9708-019B960494DF}">
-                <a14:hiddenLine xmlns="" xmlns:a14="http://schemas.microsoft.com/office/drawing/2010/main" w="9525">
+                <a14:hiddenLine xmlns:a14="http://schemas.microsoft.com/office/drawing/2010/main" xmlns="" w="9525">
                   <a:solidFill>
                     <a:srgbClr val="000000"/>
                   </a:solidFill>
@@ -2779,7 +2809,7 @@
             </a:ln>
             <a:extLst>
               <a:ext uri="{91240B29-F687-4f45-9708-019B960494DF}">
-                <a14:hiddenLine xmlns="" xmlns:a14="http://schemas.microsoft.com/office/drawing/2010/main" w="9525">
+                <a14:hiddenLine xmlns:a14="http://schemas.microsoft.com/office/drawing/2010/main" xmlns="" w="9525">
                   <a:solidFill>
                     <a:srgbClr val="000000"/>
                   </a:solidFill>
@@ -2841,7 +2871,7 @@
             </a:ln>
             <a:extLst>
               <a:ext uri="{91240B29-F687-4f45-9708-019B960494DF}">
-                <a14:hiddenLine xmlns="" xmlns:a14="http://schemas.microsoft.com/office/drawing/2010/main" w="9525">
+                <a14:hiddenLine xmlns:a14="http://schemas.microsoft.com/office/drawing/2010/main" xmlns="" w="9525">
                   <a:solidFill>
                     <a:srgbClr val="000000"/>
                   </a:solidFill>
@@ -2903,7 +2933,7 @@
             </a:ln>
             <a:extLst>
               <a:ext uri="{91240B29-F687-4f45-9708-019B960494DF}">
-                <a14:hiddenLine xmlns="" xmlns:a14="http://schemas.microsoft.com/office/drawing/2010/main" w="9525">
+                <a14:hiddenLine xmlns:a14="http://schemas.microsoft.com/office/drawing/2010/main" xmlns="" w="9525">
                   <a:solidFill>
                     <a:srgbClr val="000000"/>
                   </a:solidFill>
@@ -2993,7 +3023,7 @@
             </a:ln>
             <a:extLst>
               <a:ext uri="{91240B29-F687-4f45-9708-019B960494DF}">
-                <a14:hiddenLine xmlns="" xmlns:a14="http://schemas.microsoft.com/office/drawing/2010/main" w="9525">
+                <a14:hiddenLine xmlns:a14="http://schemas.microsoft.com/office/drawing/2010/main" xmlns="" w="9525">
                   <a:solidFill>
                     <a:srgbClr val="000000"/>
                   </a:solidFill>
@@ -3061,7 +3091,7 @@
             </a:ln>
             <a:extLst>
               <a:ext uri="{91240B29-F687-4f45-9708-019B960494DF}">
-                <a14:hiddenLine xmlns="" xmlns:a14="http://schemas.microsoft.com/office/drawing/2010/main" w="9525">
+                <a14:hiddenLine xmlns:a14="http://schemas.microsoft.com/office/drawing/2010/main" xmlns="" w="9525">
                   <a:solidFill>
                     <a:srgbClr val="000000"/>
                   </a:solidFill>
@@ -3123,7 +3153,7 @@
             </a:ln>
             <a:extLst>
               <a:ext uri="{91240B29-F687-4f45-9708-019B960494DF}">
-                <a14:hiddenLine xmlns="" xmlns:a14="http://schemas.microsoft.com/office/drawing/2010/main" w="9525">
+                <a14:hiddenLine xmlns:a14="http://schemas.microsoft.com/office/drawing/2010/main" xmlns="" w="9525">
                   <a:solidFill>
                     <a:srgbClr val="000000"/>
                   </a:solidFill>
@@ -3213,7 +3243,7 @@
             </a:ln>
             <a:extLst>
               <a:ext uri="{91240B29-F687-4f45-9708-019B960494DF}">
-                <a14:hiddenLine xmlns="" xmlns:a14="http://schemas.microsoft.com/office/drawing/2010/main" w="9525">
+                <a14:hiddenLine xmlns:a14="http://schemas.microsoft.com/office/drawing/2010/main" xmlns="" w="9525">
                   <a:solidFill>
                     <a:srgbClr val="000000"/>
                   </a:solidFill>
@@ -3275,7 +3305,7 @@
             </a:ln>
             <a:extLst>
               <a:ext uri="{91240B29-F687-4f45-9708-019B960494DF}">
-                <a14:hiddenLine xmlns="" xmlns:a14="http://schemas.microsoft.com/office/drawing/2010/main" w="9525">
+                <a14:hiddenLine xmlns:a14="http://schemas.microsoft.com/office/drawing/2010/main" xmlns="" w="9525">
                   <a:solidFill>
                     <a:srgbClr val="000000"/>
                   </a:solidFill>
@@ -3365,7 +3395,7 @@
             </a:ln>
             <a:extLst>
               <a:ext uri="{91240B29-F687-4f45-9708-019B960494DF}">
-                <a14:hiddenLine xmlns="" xmlns:a14="http://schemas.microsoft.com/office/drawing/2010/main" w="9525">
+                <a14:hiddenLine xmlns:a14="http://schemas.microsoft.com/office/drawing/2010/main" xmlns="" w="9525">
                   <a:solidFill>
                     <a:srgbClr val="000000"/>
                   </a:solidFill>
@@ -3427,7 +3457,7 @@
             </a:ln>
             <a:extLst>
               <a:ext uri="{91240B29-F687-4f45-9708-019B960494DF}">
-                <a14:hiddenLine xmlns="" xmlns:a14="http://schemas.microsoft.com/office/drawing/2010/main" w="9525">
+                <a14:hiddenLine xmlns:a14="http://schemas.microsoft.com/office/drawing/2010/main" xmlns="" w="9525">
                   <a:solidFill>
                     <a:srgbClr val="000000"/>
                   </a:solidFill>
@@ -3517,7 +3547,7 @@
             </a:ln>
             <a:extLst>
               <a:ext uri="{91240B29-F687-4f45-9708-019B960494DF}">
-                <a14:hiddenLine xmlns="" xmlns:a14="http://schemas.microsoft.com/office/drawing/2010/main" w="9525">
+                <a14:hiddenLine xmlns:a14="http://schemas.microsoft.com/office/drawing/2010/main" xmlns="" w="9525">
                   <a:solidFill>
                     <a:srgbClr val="000000"/>
                   </a:solidFill>
@@ -3551,7 +3581,7 @@
             </a:ln>
             <a:extLst>
               <a:ext uri="{91240B29-F687-4f45-9708-019B960494DF}">
-                <a14:hiddenLine xmlns="" xmlns:a14="http://schemas.microsoft.com/office/drawing/2010/main" w="9525">
+                <a14:hiddenLine xmlns:a14="http://schemas.microsoft.com/office/drawing/2010/main" xmlns="" w="9525">
                   <a:solidFill>
                     <a:srgbClr val="000000"/>
                   </a:solidFill>
@@ -3616,7 +3646,7 @@
             </a:ln>
             <a:extLst>
               <a:ext uri="{91240B29-F687-4f45-9708-019B960494DF}">
-                <a14:hiddenLine xmlns="" xmlns:a14="http://schemas.microsoft.com/office/drawing/2010/main" w="9525">
+                <a14:hiddenLine xmlns:a14="http://schemas.microsoft.com/office/drawing/2010/main" xmlns="" w="9525">
                   <a:solidFill>
                     <a:srgbClr val="000000"/>
                   </a:solidFill>
@@ -3706,7 +3736,7 @@
             </a:ln>
             <a:extLst>
               <a:ext uri="{91240B29-F687-4f45-9708-019B960494DF}">
-                <a14:hiddenLine xmlns="" xmlns:a14="http://schemas.microsoft.com/office/drawing/2010/main" w="9525">
+                <a14:hiddenLine xmlns:a14="http://schemas.microsoft.com/office/drawing/2010/main" xmlns="" w="9525">
                   <a:solidFill>
                     <a:srgbClr val="000000"/>
                   </a:solidFill>
@@ -3768,7 +3798,7 @@
             </a:ln>
             <a:extLst>
               <a:ext uri="{91240B29-F687-4f45-9708-019B960494DF}">
-                <a14:hiddenLine xmlns="" xmlns:a14="http://schemas.microsoft.com/office/drawing/2010/main" w="9525">
+                <a14:hiddenLine xmlns:a14="http://schemas.microsoft.com/office/drawing/2010/main" xmlns="" w="9525">
                   <a:solidFill>
                     <a:srgbClr val="000000"/>
                   </a:solidFill>
@@ -3858,7 +3888,7 @@
             </a:ln>
             <a:extLst>
               <a:ext uri="{91240B29-F687-4f45-9708-019B960494DF}">
-                <a14:hiddenLine xmlns="" xmlns:a14="http://schemas.microsoft.com/office/drawing/2010/main" w="9525">
+                <a14:hiddenLine xmlns:a14="http://schemas.microsoft.com/office/drawing/2010/main" xmlns="" w="9525">
                   <a:solidFill>
                     <a:srgbClr val="000000"/>
                   </a:solidFill>
@@ -3948,7 +3978,7 @@
             </a:ln>
             <a:extLst>
               <a:ext uri="{91240B29-F687-4f45-9708-019B960494DF}">
-                <a14:hiddenLine xmlns="" xmlns:a14="http://schemas.microsoft.com/office/drawing/2010/main" w="9525">
+                <a14:hiddenLine xmlns:a14="http://schemas.microsoft.com/office/drawing/2010/main" xmlns="" w="9525">
                   <a:solidFill>
                     <a:srgbClr val="000000"/>
                   </a:solidFill>
@@ -4013,7 +4043,7 @@
             </a:ln>
             <a:extLst>
               <a:ext uri="{91240B29-F687-4f45-9708-019B960494DF}">
-                <a14:hiddenLine xmlns="" xmlns:a14="http://schemas.microsoft.com/office/drawing/2010/main" w="9525">
+                <a14:hiddenLine xmlns:a14="http://schemas.microsoft.com/office/drawing/2010/main" xmlns="" w="9525">
                   <a:solidFill>
                     <a:srgbClr val="000000"/>
                   </a:solidFill>
@@ -4075,7 +4105,7 @@
             </a:ln>
             <a:extLst>
               <a:ext uri="{91240B29-F687-4f45-9708-019B960494DF}">
-                <a14:hiddenLine xmlns="" xmlns:a14="http://schemas.microsoft.com/office/drawing/2010/main" w="9525">
+                <a14:hiddenLine xmlns:a14="http://schemas.microsoft.com/office/drawing/2010/main" xmlns="" w="9525">
                   <a:solidFill>
                     <a:srgbClr val="000000"/>
                   </a:solidFill>
@@ -4165,7 +4195,7 @@
             </a:ln>
             <a:extLst>
               <a:ext uri="{91240B29-F687-4f45-9708-019B960494DF}">
-                <a14:hiddenLine xmlns="" xmlns:a14="http://schemas.microsoft.com/office/drawing/2010/main" w="9525">
+                <a14:hiddenLine xmlns:a14="http://schemas.microsoft.com/office/drawing/2010/main" xmlns="" w="9525">
                   <a:solidFill>
                     <a:srgbClr val="000000"/>
                   </a:solidFill>
@@ -4255,7 +4285,7 @@
             </a:ln>
             <a:extLst>
               <a:ext uri="{91240B29-F687-4f45-9708-019B960494DF}">
-                <a14:hiddenLine xmlns="" xmlns:a14="http://schemas.microsoft.com/office/drawing/2010/main" w="9525">
+                <a14:hiddenLine xmlns:a14="http://schemas.microsoft.com/office/drawing/2010/main" xmlns="" w="9525">
                   <a:solidFill>
                     <a:srgbClr val="000000"/>
                   </a:solidFill>
@@ -4317,7 +4347,7 @@
             </a:ln>
             <a:extLst>
               <a:ext uri="{91240B29-F687-4f45-9708-019B960494DF}">
-                <a14:hiddenLine xmlns="" xmlns:a14="http://schemas.microsoft.com/office/drawing/2010/main" w="9525">
+                <a14:hiddenLine xmlns:a14="http://schemas.microsoft.com/office/drawing/2010/main" xmlns="" w="9525">
                   <a:solidFill>
                     <a:srgbClr val="000000"/>
                   </a:solidFill>
@@ -4437,7 +4467,7 @@
             </a:ln>
             <a:extLst>
               <a:ext uri="{91240B29-F687-4f45-9708-019B960494DF}">
-                <a14:hiddenLine xmlns="" xmlns:a14="http://schemas.microsoft.com/office/drawing/2010/main" w="9525">
+                <a14:hiddenLine xmlns:a14="http://schemas.microsoft.com/office/drawing/2010/main" xmlns="" w="9525">
                   <a:solidFill>
                     <a:srgbClr val="000000"/>
                   </a:solidFill>
@@ -4505,7 +4535,7 @@
             </a:ln>
             <a:extLst>
               <a:ext uri="{91240B29-F687-4f45-9708-019B960494DF}">
-                <a14:hiddenLine xmlns="" xmlns:a14="http://schemas.microsoft.com/office/drawing/2010/main" w="9525">
+                <a14:hiddenLine xmlns:a14="http://schemas.microsoft.com/office/drawing/2010/main" xmlns="" w="9525">
                   <a:solidFill>
                     <a:srgbClr val="000000"/>
                   </a:solidFill>
@@ -4595,7 +4625,7 @@
             </a:ln>
             <a:extLst>
               <a:ext uri="{91240B29-F687-4f45-9708-019B960494DF}">
-                <a14:hiddenLine xmlns="" xmlns:a14="http://schemas.microsoft.com/office/drawing/2010/main" w="9525">
+                <a14:hiddenLine xmlns:a14="http://schemas.microsoft.com/office/drawing/2010/main" xmlns="" w="9525">
                   <a:solidFill>
                     <a:srgbClr val="000000"/>
                   </a:solidFill>
@@ -9317,7 +9347,7 @@
           <a:noFill/>
           <a:extLst>
             <a:ext uri="{909E8E84-426E-40dd-AFC4-6F175D3DCCD1}">
-              <a14:hiddenFill xmlns="" xmlns:a14="http://schemas.microsoft.com/office/drawing/2010/main">
+              <a14:hiddenFill xmlns:a14="http://schemas.microsoft.com/office/drawing/2010/main" xmlns="">
                 <a:solidFill>
                   <a:srgbClr val="FFFFFF"/>
                 </a:solidFill>
@@ -9391,7 +9421,7 @@
               </a:ln>
               <a:extLst>
                 <a:ext uri="{91240B29-F687-4f45-9708-019B960494DF}">
-                  <a14:hiddenLine xmlns="" xmlns:a14="http://schemas.microsoft.com/office/drawing/2010/main" w="9525">
+                  <a14:hiddenLine xmlns:a14="http://schemas.microsoft.com/office/drawing/2010/main" xmlns="" w="9525">
                     <a:solidFill>
                       <a:srgbClr val="000000"/>
                     </a:solidFill>
@@ -9481,7 +9511,7 @@
               </a:ln>
               <a:extLst>
                 <a:ext uri="{91240B29-F687-4f45-9708-019B960494DF}">
-                  <a14:hiddenLine xmlns="" xmlns:a14="http://schemas.microsoft.com/office/drawing/2010/main" w="9525">
+                  <a14:hiddenLine xmlns:a14="http://schemas.microsoft.com/office/drawing/2010/main" xmlns="" w="9525">
                     <a:solidFill>
                       <a:srgbClr val="000000"/>
                     </a:solidFill>
@@ -9571,7 +9601,7 @@
               </a:ln>
               <a:extLst>
                 <a:ext uri="{91240B29-F687-4f45-9708-019B960494DF}">
-                  <a14:hiddenLine xmlns="" xmlns:a14="http://schemas.microsoft.com/office/drawing/2010/main" w="9525">
+                  <a14:hiddenLine xmlns:a14="http://schemas.microsoft.com/office/drawing/2010/main" xmlns="" w="9525">
                     <a:solidFill>
                       <a:srgbClr val="000000"/>
                     </a:solidFill>
@@ -9633,7 +9663,7 @@
               </a:ln>
               <a:extLst>
                 <a:ext uri="{91240B29-F687-4f45-9708-019B960494DF}">
-                  <a14:hiddenLine xmlns="" xmlns:a14="http://schemas.microsoft.com/office/drawing/2010/main" w="9525">
+                  <a14:hiddenLine xmlns:a14="http://schemas.microsoft.com/office/drawing/2010/main" xmlns="" w="9525">
                     <a:solidFill>
                       <a:srgbClr val="000000"/>
                     </a:solidFill>
@@ -9723,7 +9753,7 @@
               </a:ln>
               <a:extLst>
                 <a:ext uri="{91240B29-F687-4f45-9708-019B960494DF}">
-                  <a14:hiddenLine xmlns="" xmlns:a14="http://schemas.microsoft.com/office/drawing/2010/main" w="9525">
+                  <a14:hiddenLine xmlns:a14="http://schemas.microsoft.com/office/drawing/2010/main" xmlns="" w="9525">
                     <a:solidFill>
                       <a:srgbClr val="000000"/>
                     </a:solidFill>
@@ -9785,7 +9815,7 @@
               </a:ln>
               <a:extLst>
                 <a:ext uri="{91240B29-F687-4f45-9708-019B960494DF}">
-                  <a14:hiddenLine xmlns="" xmlns:a14="http://schemas.microsoft.com/office/drawing/2010/main" w="9525">
+                  <a14:hiddenLine xmlns:a14="http://schemas.microsoft.com/office/drawing/2010/main" xmlns="" w="9525">
                     <a:solidFill>
                       <a:srgbClr val="000000"/>
                     </a:solidFill>
@@ -9847,7 +9877,7 @@
               </a:ln>
               <a:extLst>
                 <a:ext uri="{91240B29-F687-4f45-9708-019B960494DF}">
-                  <a14:hiddenLine xmlns="" xmlns:a14="http://schemas.microsoft.com/office/drawing/2010/main" w="9525">
+                  <a14:hiddenLine xmlns:a14="http://schemas.microsoft.com/office/drawing/2010/main" xmlns="" w="9525">
                     <a:solidFill>
                       <a:srgbClr val="000000"/>
                     </a:solidFill>
@@ -9937,7 +9967,7 @@
               </a:ln>
               <a:extLst>
                 <a:ext uri="{91240B29-F687-4f45-9708-019B960494DF}">
-                  <a14:hiddenLine xmlns="" xmlns:a14="http://schemas.microsoft.com/office/drawing/2010/main" w="9525">
+                  <a14:hiddenLine xmlns:a14="http://schemas.microsoft.com/office/drawing/2010/main" xmlns="" w="9525">
                     <a:solidFill>
                       <a:srgbClr val="000000"/>
                     </a:solidFill>
@@ -10027,7 +10057,7 @@
               </a:ln>
               <a:extLst>
                 <a:ext uri="{91240B29-F687-4f45-9708-019B960494DF}">
-                  <a14:hiddenLine xmlns="" xmlns:a14="http://schemas.microsoft.com/office/drawing/2010/main" w="9525">
+                  <a14:hiddenLine xmlns:a14="http://schemas.microsoft.com/office/drawing/2010/main" xmlns="" w="9525">
                     <a:solidFill>
                       <a:srgbClr val="000000"/>
                     </a:solidFill>
@@ -10089,7 +10119,7 @@
               </a:ln>
               <a:extLst>
                 <a:ext uri="{91240B29-F687-4f45-9708-019B960494DF}">
-                  <a14:hiddenLine xmlns="" xmlns:a14="http://schemas.microsoft.com/office/drawing/2010/main" w="9525">
+                  <a14:hiddenLine xmlns:a14="http://schemas.microsoft.com/office/drawing/2010/main" xmlns="" w="9525">
                     <a:solidFill>
                       <a:srgbClr val="000000"/>
                     </a:solidFill>
@@ -10199,7 +10229,7 @@
               </a:ln>
               <a:extLst>
                 <a:ext uri="{91240B29-F687-4f45-9708-019B960494DF}">
-                  <a14:hiddenLine xmlns="" xmlns:a14="http://schemas.microsoft.com/office/drawing/2010/main" w="9525">
+                  <a14:hiddenLine xmlns:a14="http://schemas.microsoft.com/office/drawing/2010/main" xmlns="" w="9525">
                     <a:solidFill>
                       <a:srgbClr val="000000"/>
                     </a:solidFill>
@@ -10283,7 +10313,7 @@
               </a:ln>
               <a:extLst>
                 <a:ext uri="{91240B29-F687-4f45-9708-019B960494DF}">
-                  <a14:hiddenLine xmlns="" xmlns:a14="http://schemas.microsoft.com/office/drawing/2010/main" w="9525">
+                  <a14:hiddenLine xmlns:a14="http://schemas.microsoft.com/office/drawing/2010/main" xmlns="" w="9525">
                     <a:solidFill>
                       <a:srgbClr val="000000"/>
                     </a:solidFill>
@@ -10345,7 +10375,7 @@
               </a:ln>
               <a:extLst>
                 <a:ext uri="{91240B29-F687-4f45-9708-019B960494DF}">
-                  <a14:hiddenLine xmlns="" xmlns:a14="http://schemas.microsoft.com/office/drawing/2010/main" w="9525">
+                  <a14:hiddenLine xmlns:a14="http://schemas.microsoft.com/office/drawing/2010/main" xmlns="" w="9525">
                     <a:solidFill>
                       <a:srgbClr val="000000"/>
                     </a:solidFill>
@@ -10407,7 +10437,7 @@
               </a:ln>
               <a:extLst>
                 <a:ext uri="{91240B29-F687-4f45-9708-019B960494DF}">
-                  <a14:hiddenLine xmlns="" xmlns:a14="http://schemas.microsoft.com/office/drawing/2010/main" w="9525">
+                  <a14:hiddenLine xmlns:a14="http://schemas.microsoft.com/office/drawing/2010/main" xmlns="" w="9525">
                     <a:solidFill>
                       <a:srgbClr val="000000"/>
                     </a:solidFill>
@@ -10497,7 +10527,7 @@
               </a:ln>
               <a:extLst>
                 <a:ext uri="{91240B29-F687-4f45-9708-019B960494DF}">
-                  <a14:hiddenLine xmlns="" xmlns:a14="http://schemas.microsoft.com/office/drawing/2010/main" w="9525">
+                  <a14:hiddenLine xmlns:a14="http://schemas.microsoft.com/office/drawing/2010/main" xmlns="" w="9525">
                     <a:solidFill>
                       <a:srgbClr val="000000"/>
                     </a:solidFill>
@@ -10531,7 +10561,7 @@
               </a:ln>
               <a:extLst>
                 <a:ext uri="{91240B29-F687-4f45-9708-019B960494DF}">
-                  <a14:hiddenLine xmlns="" xmlns:a14="http://schemas.microsoft.com/office/drawing/2010/main" w="9525">
+                  <a14:hiddenLine xmlns:a14="http://schemas.microsoft.com/office/drawing/2010/main" xmlns="" w="9525">
                     <a:solidFill>
                       <a:srgbClr val="000000"/>
                     </a:solidFill>
@@ -10596,7 +10626,7 @@
               </a:ln>
               <a:extLst>
                 <a:ext uri="{91240B29-F687-4f45-9708-019B960494DF}">
-                  <a14:hiddenLine xmlns="" xmlns:a14="http://schemas.microsoft.com/office/drawing/2010/main" w="9525">
+                  <a14:hiddenLine xmlns:a14="http://schemas.microsoft.com/office/drawing/2010/main" xmlns="" w="9525">
                     <a:solidFill>
                       <a:srgbClr val="000000"/>
                     </a:solidFill>
@@ -10686,7 +10716,7 @@
               </a:ln>
               <a:extLst>
                 <a:ext uri="{91240B29-F687-4f45-9708-019B960494DF}">
-                  <a14:hiddenLine xmlns="" xmlns:a14="http://schemas.microsoft.com/office/drawing/2010/main" w="9525">
+                  <a14:hiddenLine xmlns:a14="http://schemas.microsoft.com/office/drawing/2010/main" xmlns="" w="9525">
                     <a:solidFill>
                       <a:srgbClr val="000000"/>
                     </a:solidFill>
@@ -10748,7 +10778,7 @@
               </a:ln>
               <a:extLst>
                 <a:ext uri="{91240B29-F687-4f45-9708-019B960494DF}">
-                  <a14:hiddenLine xmlns="" xmlns:a14="http://schemas.microsoft.com/office/drawing/2010/main" w="9525">
+                  <a14:hiddenLine xmlns:a14="http://schemas.microsoft.com/office/drawing/2010/main" xmlns="" w="9525">
                     <a:solidFill>
                       <a:srgbClr val="000000"/>
                     </a:solidFill>
@@ -10838,7 +10868,7 @@
               </a:ln>
               <a:extLst>
                 <a:ext uri="{91240B29-F687-4f45-9708-019B960494DF}">
-                  <a14:hiddenLine xmlns="" xmlns:a14="http://schemas.microsoft.com/office/drawing/2010/main" w="9525">
+                  <a14:hiddenLine xmlns:a14="http://schemas.microsoft.com/office/drawing/2010/main" xmlns="" w="9525">
                     <a:solidFill>
                       <a:srgbClr val="000000"/>
                     </a:solidFill>
@@ -10903,7 +10933,7 @@
               </a:ln>
               <a:extLst>
                 <a:ext uri="{91240B29-F687-4f45-9708-019B960494DF}">
-                  <a14:hiddenLine xmlns="" xmlns:a14="http://schemas.microsoft.com/office/drawing/2010/main" w="9525">
+                  <a14:hiddenLine xmlns:a14="http://schemas.microsoft.com/office/drawing/2010/main" xmlns="" w="9525">
                     <a:solidFill>
                       <a:srgbClr val="000000"/>
                     </a:solidFill>
@@ -10965,7 +10995,7 @@
               </a:ln>
               <a:extLst>
                 <a:ext uri="{91240B29-F687-4f45-9708-019B960494DF}">
-                  <a14:hiddenLine xmlns="" xmlns:a14="http://schemas.microsoft.com/office/drawing/2010/main" w="9525">
+                  <a14:hiddenLine xmlns:a14="http://schemas.microsoft.com/office/drawing/2010/main" xmlns="" w="9525">
                     <a:solidFill>
                       <a:srgbClr val="000000"/>
                     </a:solidFill>
@@ -11055,7 +11085,7 @@
               </a:ln>
               <a:extLst>
                 <a:ext uri="{91240B29-F687-4f45-9708-019B960494DF}">
-                  <a14:hiddenLine xmlns="" xmlns:a14="http://schemas.microsoft.com/office/drawing/2010/main" w="9525">
+                  <a14:hiddenLine xmlns:a14="http://schemas.microsoft.com/office/drawing/2010/main" xmlns="" w="9525">
                     <a:solidFill>
                       <a:srgbClr val="000000"/>
                     </a:solidFill>
@@ -11145,7 +11175,7 @@
               </a:ln>
               <a:extLst>
                 <a:ext uri="{91240B29-F687-4f45-9708-019B960494DF}">
-                  <a14:hiddenLine xmlns="" xmlns:a14="http://schemas.microsoft.com/office/drawing/2010/main" w="9525">
+                  <a14:hiddenLine xmlns:a14="http://schemas.microsoft.com/office/drawing/2010/main" xmlns="" w="9525">
                     <a:solidFill>
                       <a:srgbClr val="000000"/>
                     </a:solidFill>
@@ -11210,7 +11240,7 @@
               </a:ln>
               <a:extLst>
                 <a:ext uri="{91240B29-F687-4f45-9708-019B960494DF}">
-                  <a14:hiddenLine xmlns="" xmlns:a14="http://schemas.microsoft.com/office/drawing/2010/main" w="9525">
+                  <a14:hiddenLine xmlns:a14="http://schemas.microsoft.com/office/drawing/2010/main" xmlns="" w="9525">
                     <a:solidFill>
                       <a:srgbClr val="000000"/>
                     </a:solidFill>
@@ -11330,7 +11360,7 @@
               </a:ln>
               <a:extLst>
                 <a:ext uri="{91240B29-F687-4f45-9708-019B960494DF}">
-                  <a14:hiddenLine xmlns="" xmlns:a14="http://schemas.microsoft.com/office/drawing/2010/main" w="9525">
+                  <a14:hiddenLine xmlns:a14="http://schemas.microsoft.com/office/drawing/2010/main" xmlns="" w="9525">
                     <a:solidFill>
                       <a:srgbClr val="000000"/>
                     </a:solidFill>
@@ -11428,7 +11458,7 @@
               </a:ln>
               <a:extLst>
                 <a:ext uri="{91240B29-F687-4f45-9708-019B960494DF}">
-                  <a14:hiddenLine xmlns="" xmlns:a14="http://schemas.microsoft.com/office/drawing/2010/main" w="9525">
+                  <a14:hiddenLine xmlns:a14="http://schemas.microsoft.com/office/drawing/2010/main" xmlns="" w="9525">
                     <a:solidFill>
                       <a:srgbClr val="000000"/>
                     </a:solidFill>
@@ -11543,7 +11573,7 @@
               </a:ln>
               <a:extLst>
                 <a:ext uri="{91240B29-F687-4f45-9708-019B960494DF}">
-                  <a14:hiddenLine xmlns="" xmlns:a14="http://schemas.microsoft.com/office/drawing/2010/main" w="9525">
+                  <a14:hiddenLine xmlns:a14="http://schemas.microsoft.com/office/drawing/2010/main" xmlns="" w="9525">
                     <a:solidFill>
                       <a:srgbClr val="000000"/>
                     </a:solidFill>
@@ -11633,7 +11663,7 @@
               </a:ln>
               <a:extLst>
                 <a:ext uri="{91240B29-F687-4f45-9708-019B960494DF}">
-                  <a14:hiddenLine xmlns="" xmlns:a14="http://schemas.microsoft.com/office/drawing/2010/main" w="9525">
+                  <a14:hiddenLine xmlns:a14="http://schemas.microsoft.com/office/drawing/2010/main" xmlns="" w="9525">
                     <a:solidFill>
                       <a:srgbClr val="000000"/>
                     </a:solidFill>
@@ -11698,7 +11728,7 @@
               </a:ln>
               <a:extLst>
                 <a:ext uri="{91240B29-F687-4f45-9708-019B960494DF}">
-                  <a14:hiddenLine xmlns="" xmlns:a14="http://schemas.microsoft.com/office/drawing/2010/main" w="9525">
+                  <a14:hiddenLine xmlns:a14="http://schemas.microsoft.com/office/drawing/2010/main" xmlns="" w="9525">
                     <a:solidFill>
                       <a:srgbClr val="000000"/>
                     </a:solidFill>
@@ -11788,7 +11818,7 @@
               </a:ln>
               <a:extLst>
                 <a:ext uri="{91240B29-F687-4f45-9708-019B960494DF}">
-                  <a14:hiddenLine xmlns="" xmlns:a14="http://schemas.microsoft.com/office/drawing/2010/main" w="9525">
+                  <a14:hiddenLine xmlns:a14="http://schemas.microsoft.com/office/drawing/2010/main" xmlns="" w="9525">
                     <a:solidFill>
                       <a:srgbClr val="000000"/>
                     </a:solidFill>
@@ -11856,7 +11886,7 @@
               </a:ln>
               <a:extLst>
                 <a:ext uri="{91240B29-F687-4f45-9708-019B960494DF}">
-                  <a14:hiddenLine xmlns="" xmlns:a14="http://schemas.microsoft.com/office/drawing/2010/main" w="9525">
+                  <a14:hiddenLine xmlns:a14="http://schemas.microsoft.com/office/drawing/2010/main" xmlns="" w="9525">
                     <a:solidFill>
                       <a:srgbClr val="000000"/>
                     </a:solidFill>
@@ -11946,7 +11976,7 @@
               </a:ln>
               <a:extLst>
                 <a:ext uri="{91240B29-F687-4f45-9708-019B960494DF}">
-                  <a14:hiddenLine xmlns="" xmlns:a14="http://schemas.microsoft.com/office/drawing/2010/main" w="9525">
+                  <a14:hiddenLine xmlns:a14="http://schemas.microsoft.com/office/drawing/2010/main" xmlns="" w="9525">
                     <a:solidFill>
                       <a:srgbClr val="000000"/>
                     </a:solidFill>
@@ -12014,7 +12044,7 @@
               </a:ln>
               <a:extLst>
                 <a:ext uri="{91240B29-F687-4f45-9708-019B960494DF}">
-                  <a14:hiddenLine xmlns="" xmlns:a14="http://schemas.microsoft.com/office/drawing/2010/main" w="9525">
+                  <a14:hiddenLine xmlns:a14="http://schemas.microsoft.com/office/drawing/2010/main" xmlns="" w="9525">
                     <a:solidFill>
                       <a:srgbClr val="000000"/>
                     </a:solidFill>
@@ -12104,7 +12134,7 @@
               </a:ln>
               <a:extLst>
                 <a:ext uri="{91240B29-F687-4f45-9708-019B960494DF}">
-                  <a14:hiddenLine xmlns="" xmlns:a14="http://schemas.microsoft.com/office/drawing/2010/main" w="9525">
+                  <a14:hiddenLine xmlns:a14="http://schemas.microsoft.com/office/drawing/2010/main" xmlns="" w="9525">
                     <a:solidFill>
                       <a:srgbClr val="000000"/>
                     </a:solidFill>
@@ -12138,7 +12168,7 @@
               </a:ln>
               <a:extLst>
                 <a:ext uri="{91240B29-F687-4f45-9708-019B960494DF}">
-                  <a14:hiddenLine xmlns="" xmlns:a14="http://schemas.microsoft.com/office/drawing/2010/main" w="9525">
+                  <a14:hiddenLine xmlns:a14="http://schemas.microsoft.com/office/drawing/2010/main" xmlns="" w="9525">
                     <a:solidFill>
                       <a:srgbClr val="000000"/>
                     </a:solidFill>
@@ -12746,13 +12776,8 @@
           <a:p>
             <a:r>
               <a:rPr lang="en-US" dirty="0"/>
-              <a:t>From original to new design </a:t>
-            </a:r>
-            <a:r>
-              <a:rPr lang="en-US" dirty="0" err="1"/>
-              <a:t>mothodology</a:t>
-            </a:r>
-            <a:endParaRPr lang="en-US" dirty="0"/>
+              <a:t>From original to new design methodology</a:t>
+            </a:r>
           </a:p>
         </p:txBody>
       </p:sp>
@@ -14481,7 +14506,11 @@
           <a:p>
             <a:r>
               <a:rPr lang="zh-CN" altLang="en-US" dirty="0"/>
-              <a:t>依据提供目录和工程顶层名称乡下人搜索</a:t>
+              <a:t>依据提供目录和工程</a:t>
+            </a:r>
+            <a:r>
+              <a:rPr lang="zh-CN" altLang="en-US"/>
+              <a:t>顶层名称向下搜索</a:t>
             </a:r>
             <a:r>
               <a:rPr lang="en-US" altLang="zh-CN" dirty="0"/>
